--- a/video_yep.pptx
+++ b/video_yep.pptx
@@ -6201,10 +6201,10 @@
       </p:sp>
       <p:pic>
         <p:nvPicPr>
-          <p:cNvPr id="11" name="Picture 10">
-            <a:extLst>
-              <a:ext uri="{FF2B5EF4-FFF2-40B4-BE49-F238E27FC236}">
-                <a16:creationId xmlns:a16="http://schemas.microsoft.com/office/drawing/2014/main" id="{17F198D4-F599-F00F-F58E-82B27AFFAFDE}"/>
+          <p:cNvPr id="14" name="Picture 13">
+            <a:extLst>
+              <a:ext uri="{FF2B5EF4-FFF2-40B4-BE49-F238E27FC236}">
+                <a16:creationId xmlns:a16="http://schemas.microsoft.com/office/drawing/2014/main" id="{66D3779C-7022-0808-0F96-5B8BBBDC5E71}"/>
               </a:ext>
             </a:extLst>
           </p:cNvPr>
@@ -6221,8 +6221,8 @@
         </p:blipFill>
         <p:spPr>
           <a:xfrm>
-            <a:off x="0" y="1076817"/>
-            <a:ext cx="12192000" cy="5781183"/>
+            <a:off x="0" y="1053077"/>
+            <a:ext cx="12192000" cy="5790882"/>
           </a:xfrm>
           <a:prstGeom prst="rect">
             <a:avLst/>
